--- a/RES/Reserch_review.pptx
+++ b/RES/Reserch_review.pptx
@@ -5,7 +5,7 @@
     <p:sldMasterId id="2147483867" r:id="rId1"/>
   </p:sldMasterIdLst>
   <p:notesMasterIdLst>
-    <p:notesMasterId r:id="rId16"/>
+    <p:notesMasterId r:id="rId15"/>
   </p:notesMasterIdLst>
   <p:sldIdLst>
     <p:sldId id="256" r:id="rId2"/>
@@ -20,8 +20,7 @@
     <p:sldId id="267" r:id="rId11"/>
     <p:sldId id="265" r:id="rId12"/>
     <p:sldId id="270" r:id="rId13"/>
-    <p:sldId id="260" r:id="rId14"/>
-    <p:sldId id="259" r:id="rId15"/>
+    <p:sldId id="259" r:id="rId14"/>
   </p:sldIdLst>
   <p:sldSz cx="12192000" cy="6858000"/>
   <p:notesSz cx="6858000" cy="9144000"/>
@@ -210,7 +209,7 @@
           <a:p>
             <a:fld id="{E2B5E689-8410-465B-ABD2-6E36900DC6A9}" type="datetimeFigureOut">
               <a:rPr lang="en-US" smtClean="0"/>
-              <a:t>12/23/2024</a:t>
+              <a:t>2/19/2025</a:t>
             </a:fld>
             <a:endParaRPr lang="en-US"/>
           </a:p>
@@ -1123,7 +1122,7 @@
           <a:p>
             <a:fld id="{56CBFBA3-B2B2-429B-84A4-0CFB476E8DA4}" type="datetime1">
               <a:rPr lang="en-US" smtClean="0"/>
-              <a:t>12/23/2024</a:t>
+              <a:t>2/19/2025</a:t>
             </a:fld>
             <a:endParaRPr lang="en-US" dirty="0"/>
           </a:p>
@@ -2247,7 +2246,7 @@
           <a:p>
             <a:fld id="{F8994B13-0F5D-4D9C-8F4C-86B6B96ED0E4}" type="datetime1">
               <a:rPr lang="en-US" smtClean="0"/>
-              <a:t>12/23/2024</a:t>
+              <a:t>2/19/2025</a:t>
             </a:fld>
             <a:endParaRPr lang="en-US" dirty="0"/>
           </a:p>
@@ -3262,7 +3261,7 @@
           <a:p>
             <a:fld id="{3E0FCC4E-BD2A-48DD-94CD-34F9DDBB7D1C}" type="datetime1">
               <a:rPr lang="en-US" smtClean="0"/>
-              <a:t>12/23/2024</a:t>
+              <a:t>2/19/2025</a:t>
             </a:fld>
             <a:endParaRPr lang="en-US" dirty="0"/>
           </a:p>
@@ -4436,7 +4435,7 @@
           <a:p>
             <a:fld id="{933ADC0B-FA1D-418B-9573-76F330B656CC}" type="datetime1">
               <a:rPr lang="en-US" smtClean="0"/>
-              <a:t>12/23/2024</a:t>
+              <a:t>2/19/2025</a:t>
             </a:fld>
             <a:endParaRPr lang="en-US" dirty="0"/>
           </a:p>
@@ -5501,7 +5500,7 @@
           <a:p>
             <a:fld id="{B64612AB-0926-4981-8552-99AFF0A91772}" type="datetime1">
               <a:rPr lang="en-US" smtClean="0"/>
-              <a:t>12/23/2024</a:t>
+              <a:t>2/19/2025</a:t>
             </a:fld>
             <a:endParaRPr lang="en-US" dirty="0"/>
           </a:p>
@@ -6152,7 +6151,7 @@
           <a:p>
             <a:fld id="{99190036-B96E-41BB-BD1C-6C2984BF28F4}" type="datetime1">
               <a:rPr lang="en-US" smtClean="0"/>
-              <a:t>12/23/2024</a:t>
+              <a:t>2/19/2025</a:t>
             </a:fld>
             <a:endParaRPr lang="en-US" dirty="0"/>
           </a:p>
@@ -7003,7 +7002,7 @@
           <a:p>
             <a:fld id="{528FF3DC-085F-48D2-B9A5-E4E264F5C1E8}" type="datetime1">
               <a:rPr lang="en-US" smtClean="0"/>
-              <a:t>12/23/2024</a:t>
+              <a:t>2/19/2025</a:t>
             </a:fld>
             <a:endParaRPr lang="en-US" dirty="0"/>
           </a:p>
@@ -7182,7 +7181,7 @@
           <a:p>
             <a:fld id="{76EAB362-13AE-48CA-A84A-1C70A0527371}" type="datetime1">
               <a:rPr lang="en-US" smtClean="0"/>
-              <a:t>12/23/2024</a:t>
+              <a:t>2/19/2025</a:t>
             </a:fld>
             <a:endParaRPr lang="en-US" dirty="0"/>
           </a:p>
@@ -8184,7 +8183,7 @@
           <a:p>
             <a:fld id="{B09232AD-5A7D-45FB-9472-9049CD3EDC9E}" type="datetime1">
               <a:rPr lang="en-US" smtClean="0"/>
-              <a:t>12/23/2024</a:t>
+              <a:t>2/19/2025</a:t>
             </a:fld>
             <a:endParaRPr lang="en-US" dirty="0"/>
           </a:p>
@@ -8394,7 +8393,7 @@
           <a:p>
             <a:fld id="{D39D7673-F859-405E-9A3B-F60F28A02988}" type="datetime1">
               <a:rPr lang="en-US" smtClean="0"/>
-              <a:t>12/23/2024</a:t>
+              <a:t>2/19/2025</a:t>
             </a:fld>
             <a:endParaRPr lang="en-US" dirty="0"/>
           </a:p>
@@ -9460,7 +9459,7 @@
           <a:p>
             <a:fld id="{8EA08B3A-558D-485A-9CCE-060C477579E2}" type="datetime1">
               <a:rPr lang="en-US" smtClean="0"/>
-              <a:t>12/23/2024</a:t>
+              <a:t>2/19/2025</a:t>
             </a:fld>
             <a:endParaRPr lang="en-US" dirty="0"/>
           </a:p>
@@ -9736,7 +9735,7 @@
           <a:p>
             <a:fld id="{B9CB5D70-D3BC-4C91-8D2D-3E3C67117EEB}" type="datetime1">
               <a:rPr lang="en-US" smtClean="0"/>
-              <a:t>12/23/2024</a:t>
+              <a:t>2/19/2025</a:t>
             </a:fld>
             <a:endParaRPr lang="en-US" dirty="0"/>
           </a:p>
@@ -10122,7 +10121,7 @@
           <a:p>
             <a:fld id="{3E40E10C-46FD-47F3-8754-870C4C5924EE}" type="datetime1">
               <a:rPr lang="en-US" smtClean="0"/>
-              <a:t>12/23/2024</a:t>
+              <a:t>2/19/2025</a:t>
             </a:fld>
             <a:endParaRPr lang="en-US" dirty="0"/>
           </a:p>
@@ -10244,7 +10243,7 @@
           <a:p>
             <a:fld id="{B0465581-984C-4718-8983-0D77AE4979E4}" type="datetime1">
               <a:rPr lang="en-US" smtClean="0"/>
-              <a:t>12/23/2024</a:t>
+              <a:t>2/19/2025</a:t>
             </a:fld>
             <a:endParaRPr lang="en-US" dirty="0"/>
           </a:p>
@@ -10343,7 +10342,7 @@
           <a:p>
             <a:fld id="{AFFFF05D-AA92-4E92-A578-EE9FE30B9A37}" type="datetime1">
               <a:rPr lang="en-US" smtClean="0"/>
-              <a:t>12/23/2024</a:t>
+              <a:t>2/19/2025</a:t>
             </a:fld>
             <a:endParaRPr lang="en-US" dirty="0"/>
           </a:p>
@@ -11456,7 +11455,7 @@
           <a:p>
             <a:fld id="{925173AA-8521-43EB-BCD2-D8CDEBBB43A4}" type="datetime1">
               <a:rPr lang="en-US" smtClean="0"/>
-              <a:t>12/23/2024</a:t>
+              <a:t>2/19/2025</a:t>
             </a:fld>
             <a:endParaRPr lang="en-US" dirty="0"/>
           </a:p>
@@ -12593,7 +12592,7 @@
           <a:p>
             <a:fld id="{FA80A9BB-B583-48FB-A39A-85F67D848FFA}" type="datetime1">
               <a:rPr lang="en-US" smtClean="0"/>
-              <a:t>12/23/2024</a:t>
+              <a:t>2/19/2025</a:t>
             </a:fld>
             <a:endParaRPr lang="en-US" dirty="0"/>
           </a:p>
@@ -13625,7 +13624,7 @@
           <a:p>
             <a:fld id="{23291C23-9BAF-494E-BFBD-16882E3A4074}" type="datetime1">
               <a:rPr lang="en-US" smtClean="0"/>
-              <a:t>12/23/2024</a:t>
+              <a:t>2/19/2025</a:t>
             </a:fld>
             <a:endParaRPr lang="en-US" dirty="0"/>
           </a:p>
@@ -14854,103 +14853,6 @@
           </a:p>
         </p:txBody>
       </p:sp>
-      <mc:AlternateContent xmlns:mc="http://schemas.openxmlformats.org/markup-compatibility/2006">
-        <mc:Choice xmlns:pslz="http://schemas.microsoft.com/office/powerpoint/2016/slidezoom" Requires="pslz">
-          <p:graphicFrame>
-            <p:nvGraphicFramePr>
-              <p:cNvPr id="7" name="Slide Zoom 6">
-                <a:extLst>
-                  <a:ext uri="{FF2B5EF4-FFF2-40B4-BE49-F238E27FC236}">
-                    <a16:creationId xmlns:a16="http://schemas.microsoft.com/office/drawing/2014/main" id="{A2445C40-5BA8-F072-058D-B28F3539FFDC}"/>
-                  </a:ext>
-                </a:extLst>
-              </p:cNvPr>
-              <p:cNvGraphicFramePr>
-                <a:graphicFrameLocks noChangeAspect="1"/>
-              </p:cNvGraphicFramePr>
-              <p:nvPr>
-                <p:extLst>
-                  <p:ext uri="{D42A27DB-BD31-4B8C-83A1-F6EECF244321}">
-                    <p14:modId xmlns:p14="http://schemas.microsoft.com/office/powerpoint/2010/main" val="3568656296"/>
-                  </p:ext>
-                </p:extLst>
-              </p:nvPr>
-            </p:nvGraphicFramePr>
-            <p:xfrm>
-              <a:off x="2399862" y="565969"/>
-              <a:ext cx="3048000" cy="1714500"/>
-            </p:xfrm>
-            <a:graphic>
-              <a:graphicData uri="http://schemas.microsoft.com/office/powerpoint/2016/slidezoom">
-                <pslz:sldZm>
-                  <pslz:sldZmObj sldId="266" cId="4072960445">
-                    <pslz:zmPr id="{2E1C8BED-2B33-46E3-A482-CF831F886BC8}" returnToParent="0" transitionDur="1000">
-                      <p166:blipFill xmlns:p166="http://schemas.microsoft.com/office/powerpoint/2016/6/main">
-                        <a:blip r:embed="rId2"/>
-                        <a:stretch>
-                          <a:fillRect/>
-                        </a:stretch>
-                      </p166:blipFill>
-                      <p166:spPr xmlns:p166="http://schemas.microsoft.com/office/powerpoint/2016/6/main">
-                        <a:xfrm>
-                          <a:off x="0" y="0"/>
-                          <a:ext cx="3048000" cy="1714500"/>
-                        </a:xfrm>
-                        <a:prstGeom prst="rect">
-                          <a:avLst/>
-                        </a:prstGeom>
-                        <a:ln w="3175">
-                          <a:solidFill>
-                            <a:prstClr val="ltGray"/>
-                          </a:solidFill>
-                        </a:ln>
-                      </p166:spPr>
-                    </pslz:zmPr>
-                  </pslz:sldZmObj>
-                </pslz:sldZm>
-              </a:graphicData>
-            </a:graphic>
-          </p:graphicFrame>
-        </mc:Choice>
-        <mc:Fallback>
-          <p:pic>
-            <p:nvPicPr>
-              <p:cNvPr id="7" name="Slide Zoom 6">
-                <a:hlinkClick r:id="rId3" action="ppaction://hlinksldjump"/>
-                <a:extLst>
-                  <a:ext uri="{FF2B5EF4-FFF2-40B4-BE49-F238E27FC236}">
-                    <a16:creationId xmlns:a16="http://schemas.microsoft.com/office/drawing/2014/main" id="{A2445C40-5BA8-F072-058D-B28F3539FFDC}"/>
-                  </a:ext>
-                </a:extLst>
-              </p:cNvPr>
-              <p:cNvPicPr>
-                <a:picLocks noGrp="1" noRot="1" noChangeAspect="1" noMove="1" noResize="1" noEditPoints="1" noAdjustHandles="1" noChangeArrowheads="1" noChangeShapeType="1"/>
-              </p:cNvPicPr>
-              <p:nvPr/>
-            </p:nvPicPr>
-            <p:blipFill>
-              <a:blip r:embed="rId2"/>
-              <a:stretch>
-                <a:fillRect/>
-              </a:stretch>
-            </p:blipFill>
-            <p:spPr>
-              <a:xfrm>
-                <a:off x="2399862" y="565969"/>
-                <a:ext cx="3048000" cy="1714500"/>
-              </a:xfrm>
-              <a:prstGeom prst="rect">
-                <a:avLst/>
-              </a:prstGeom>
-              <a:ln w="3175">
-                <a:solidFill>
-                  <a:prstClr val="ltGray"/>
-                </a:solidFill>
-              </a:ln>
-            </p:spPr>
-          </p:pic>
-        </mc:Fallback>
-      </mc:AlternateContent>
     </p:spTree>
     <p:extLst>
       <p:ext uri="{BB962C8B-B14F-4D97-AF65-F5344CB8AC3E}">
@@ -14965,155 +14867,6 @@
 </file>
 
 <file path=ppt/slides/slide13.xml><?xml version="1.0" encoding="utf-8"?>
-<p:sld xmlns:a="http://schemas.openxmlformats.org/drawingml/2006/main" xmlns:r="http://schemas.openxmlformats.org/officeDocument/2006/relationships" xmlns:p="http://schemas.openxmlformats.org/presentationml/2006/main">
-  <p:cSld>
-    <p:spTree>
-      <p:nvGrpSpPr>
-        <p:cNvPr id="1" name=""/>
-        <p:cNvGrpSpPr/>
-        <p:nvPr/>
-      </p:nvGrpSpPr>
-      <p:grpSpPr>
-        <a:xfrm>
-          <a:off x="0" y="0"/>
-          <a:ext cx="0" cy="0"/>
-          <a:chOff x="0" y="0"/>
-          <a:chExt cx="0" cy="0"/>
-        </a:xfrm>
-      </p:grpSpPr>
-      <p:sp>
-        <p:nvSpPr>
-          <p:cNvPr id="2" name="Title 1">
-            <a:extLst>
-              <a:ext uri="{FF2B5EF4-FFF2-40B4-BE49-F238E27FC236}">
-                <a16:creationId xmlns:a16="http://schemas.microsoft.com/office/drawing/2014/main" id="{138DD898-8599-BC17-9312-607BF793CE11}"/>
-              </a:ext>
-            </a:extLst>
-          </p:cNvPr>
-          <p:cNvSpPr>
-            <a:spLocks noGrp="1"/>
-          </p:cNvSpPr>
-          <p:nvPr>
-            <p:ph type="title"/>
-          </p:nvPr>
-        </p:nvSpPr>
-        <p:spPr>
-          <a:xfrm>
-            <a:off x="1073840" y="2596529"/>
-            <a:ext cx="5076238" cy="2283824"/>
-          </a:xfrm>
-        </p:spPr>
-        <p:txBody>
-          <a:bodyPr/>
-          <a:lstStyle/>
-          <a:p>
-            <a:r>
-              <a:rPr lang="en-US" sz="8800" dirty="0">
-                <a:latin typeface="Harlow Solid Italic" panose="04030604020F02020D02" pitchFamily="82" charset="0"/>
-              </a:rPr>
-              <a:t>Any Questions?</a:t>
-            </a:r>
-          </a:p>
-        </p:txBody>
-      </p:sp>
-      <p:sp>
-        <p:nvSpPr>
-          <p:cNvPr id="3" name="Text Placeholder 2">
-            <a:extLst>
-              <a:ext uri="{FF2B5EF4-FFF2-40B4-BE49-F238E27FC236}">
-                <a16:creationId xmlns:a16="http://schemas.microsoft.com/office/drawing/2014/main" id="{58F67A77-DC4A-3C22-D88C-FAA8E82B57B2}"/>
-              </a:ext>
-            </a:extLst>
-          </p:cNvPr>
-          <p:cNvSpPr>
-            <a:spLocks noGrp="1"/>
-          </p:cNvSpPr>
-          <p:nvPr>
-            <p:ph type="body" idx="1"/>
-          </p:nvPr>
-        </p:nvSpPr>
-        <p:spPr/>
-        <p:txBody>
-          <a:bodyPr/>
-          <a:lstStyle/>
-          <a:p>
-            <a:endParaRPr lang="en-US" dirty="0"/>
-          </a:p>
-        </p:txBody>
-      </p:sp>
-      <p:pic>
-        <p:nvPicPr>
-          <p:cNvPr id="5" name="Picture 4">
-            <a:extLst>
-              <a:ext uri="{FF2B5EF4-FFF2-40B4-BE49-F238E27FC236}">
-                <a16:creationId xmlns:a16="http://schemas.microsoft.com/office/drawing/2014/main" id="{E2CF2002-FA5F-2FC9-5FEB-D9E95B9151BE}"/>
-              </a:ext>
-            </a:extLst>
-          </p:cNvPr>
-          <p:cNvPicPr>
-            <a:picLocks noChangeAspect="1"/>
-          </p:cNvPicPr>
-          <p:nvPr/>
-        </p:nvPicPr>
-        <p:blipFill>
-          <a:blip r:embed="rId2"/>
-          <a:stretch>
-            <a:fillRect/>
-          </a:stretch>
-        </p:blipFill>
-        <p:spPr>
-          <a:xfrm>
-            <a:off x="6813089" y="1223170"/>
-            <a:ext cx="3920315" cy="5192770"/>
-          </a:xfrm>
-          <a:prstGeom prst="rect">
-            <a:avLst/>
-          </a:prstGeom>
-        </p:spPr>
-      </p:pic>
-      <p:sp>
-        <p:nvSpPr>
-          <p:cNvPr id="4" name="Slide Number Placeholder 3">
-            <a:extLst>
-              <a:ext uri="{FF2B5EF4-FFF2-40B4-BE49-F238E27FC236}">
-                <a16:creationId xmlns:a16="http://schemas.microsoft.com/office/drawing/2014/main" id="{7AE15650-52E8-DA60-17B5-EB1E71EE1B9E}"/>
-              </a:ext>
-            </a:extLst>
-          </p:cNvPr>
-          <p:cNvSpPr>
-            <a:spLocks noGrp="1"/>
-          </p:cNvSpPr>
-          <p:nvPr>
-            <p:ph type="sldNum" sz="quarter" idx="12"/>
-          </p:nvPr>
-        </p:nvSpPr>
-        <p:spPr/>
-        <p:txBody>
-          <a:bodyPr/>
-          <a:lstStyle/>
-          <a:p>
-            <a:fld id="{6D22F896-40B5-4ADD-8801-0D06FADFA095}" type="slidenum">
-              <a:rPr lang="en-US" smtClean="0"/>
-              <a:t>13</a:t>
-            </a:fld>
-            <a:endParaRPr lang="en-US" dirty="0"/>
-          </a:p>
-        </p:txBody>
-      </p:sp>
-    </p:spTree>
-    <p:extLst>
-      <p:ext uri="{BB962C8B-B14F-4D97-AF65-F5344CB8AC3E}">
-        <p14:creationId xmlns:p14="http://schemas.microsoft.com/office/powerpoint/2010/main" val="1528543819"/>
-      </p:ext>
-    </p:extLst>
-  </p:cSld>
-  <p:clrMapOvr>
-    <a:masterClrMapping/>
-  </p:clrMapOvr>
-</p:sld>
-</file>
-
-<file path=ppt/slides/slide14.xml><?xml version="1.0" encoding="utf-8"?>
 <p:sld xmlns:a="http://schemas.openxmlformats.org/drawingml/2006/main" xmlns:r="http://schemas.openxmlformats.org/officeDocument/2006/relationships" xmlns:p="http://schemas.openxmlformats.org/presentationml/2006/main">
   <p:cSld>
     <p:spTree>
@@ -15223,7 +14976,7 @@
           <a:p>
             <a:fld id="{6D22F896-40B5-4ADD-8801-0D06FADFA095}" type="slidenum">
               <a:rPr lang="en-US" smtClean="0"/>
-              <a:t>14</a:t>
+              <a:t>13</a:t>
             </a:fld>
             <a:endParaRPr lang="en-US" dirty="0"/>
           </a:p>
